--- a/training-cards/music moves/Tomatoes (TOM)/journeyman/ger_TOM_18_Aufdrehen_fertig_los_MM_J.pptx
+++ b/training-cards/music moves/Tomatoes (TOM)/journeyman/ger_TOM_18_Aufdrehen_fertig_los_MM_J.pptx
@@ -2097,9 +2097,71 @@
         <p:spPr/>
         <p:txBody>
           <a:bodyPr>
-            <a:normAutofit fontScale="85000" lnSpcReduction="10000"/>
+            <a:normAutofit fontScale="85000" lnSpcReduction="20000"/>
           </a:bodyPr>
           <a:lstStyle/>
+          <a:p>
+            <a:pPr marL="263525" lvl="1" indent="-263525">
+              <a:lnSpc>
+                <a:spcPct val="120000"/>
+              </a:lnSpc>
+              <a:spcBef>
+                <a:spcPts val="800"/>
+              </a:spcBef>
+            </a:pPr>
+            <a:r>
+              <a:rPr lang="de-DE" sz="1200" dirty="0" smtClean="0"/>
+              <a:t>Das </a:t>
+            </a:r>
+            <a:r>
+              <a:rPr lang="de-DE" sz="1200" dirty="0"/>
+              <a:t>Ziel ist, möglichst genau einschätzen zu können, was Du in </a:t>
+            </a:r>
+            <a:r>
+              <a:rPr lang="de-DE" sz="1200" dirty="0" smtClean="0"/>
+              <a:t>einer </a:t>
+            </a:r>
+            <a:r>
+              <a:rPr lang="de-DE" sz="1200" dirty="0"/>
+              <a:t>Tomate schaffst. Auch wenn Du mehr geschafft hast, als vorhergesagt</a:t>
+            </a:r>
+            <a:r>
+              <a:rPr lang="de-DE" sz="1200" dirty="0" smtClean="0"/>
+              <a:t>, ist </a:t>
+            </a:r>
+            <a:r>
+              <a:rPr lang="de-DE" sz="1200" dirty="0"/>
+              <a:t>das eine Abweichung von Deinen Vorhersagen, genau wie wenn </a:t>
+            </a:r>
+            <a:r>
+              <a:rPr lang="de-DE" sz="1200" dirty="0" smtClean="0"/>
+              <a:t>Du Dir </a:t>
+            </a:r>
+            <a:r>
+              <a:rPr lang="de-DE" sz="1200" dirty="0"/>
+              <a:t>zu viel vorgenommen hast. </a:t>
+            </a:r>
+            <a:endParaRPr lang="de-DE" sz="1200" dirty="0" smtClean="0"/>
+          </a:p>
+          <a:p>
+            <a:pPr marL="263525" lvl="1" indent="-263525">
+              <a:lnSpc>
+                <a:spcPct val="120000"/>
+              </a:lnSpc>
+              <a:spcBef>
+                <a:spcPts val="800"/>
+              </a:spcBef>
+            </a:pPr>
+            <a:r>
+              <a:rPr lang="de-DE" sz="1200" dirty="0"/>
+              <a:t>Trainiere die Varianten nacheinander und nicht zeitgleich</a:t>
+            </a:r>
+            <a:r>
+              <a:rPr lang="de-DE" sz="1200" dirty="0" smtClean="0"/>
+              <a:t>.</a:t>
+            </a:r>
+            <a:endParaRPr lang="de-DE" sz="1200" dirty="0"/>
+          </a:p>
           <a:p>
             <a:pPr>
               <a:lnSpc>
@@ -2110,14 +2172,70 @@
               </a:spcBef>
             </a:pPr>
             <a:r>
-              <a:rPr lang="de-DE" sz="1200" smtClean="0"/>
-              <a:t>Trainiere die Varianten </a:t>
-            </a:r>
-            <a:r>
-              <a:rPr lang="de-DE" sz="1200" dirty="0" smtClean="0"/>
-              <a:t>nacheinander und nicht zeitgleich.</a:t>
+              <a:rPr lang="de-DE" sz="1200" dirty="0"/>
+              <a:t>Variante 1: </a:t>
+            </a:r>
+          </a:p>
+          <a:p>
+            <a:pPr lvl="1">
+              <a:lnSpc>
+                <a:spcPct val="120000"/>
+              </a:lnSpc>
+              <a:spcBef>
+                <a:spcPts val="800"/>
+              </a:spcBef>
+            </a:pPr>
+            <a:r>
+              <a:rPr lang="de-DE" sz="1200" dirty="0" smtClean="0"/>
+              <a:t>Mache innerhalb </a:t>
+            </a:r>
+            <a:r>
+              <a:rPr lang="de-DE" sz="1200" dirty="0"/>
+              <a:t>von 2 Wochen</a:t>
+            </a:r>
+            <a:r>
+              <a:rPr lang="de-DE" sz="1200" dirty="0" smtClean="0"/>
+              <a:t> </a:t>
+            </a:r>
+            <a:r>
+              <a:rPr lang="de-DE" sz="1200" dirty="0"/>
+              <a:t>15 Tomaten an mindestens 8</a:t>
+            </a:r>
+            <a:r>
+              <a:rPr lang="de-DE" sz="1200" dirty="0" smtClean="0"/>
+              <a:t> </a:t>
+            </a:r>
+            <a:r>
+              <a:rPr lang="de-DE" sz="1200" dirty="0"/>
+              <a:t>verschiedenen </a:t>
+            </a:r>
+            <a:r>
+              <a:rPr lang="de-DE" sz="1200" dirty="0" smtClean="0"/>
+              <a:t>Tagen.</a:t>
             </a:r>
             <a:endParaRPr lang="de-DE" sz="1200" dirty="0"/>
+          </a:p>
+          <a:p>
+            <a:pPr lvl="1">
+              <a:lnSpc>
+                <a:spcPct val="120000"/>
+              </a:lnSpc>
+              <a:spcBef>
+                <a:spcPts val="800"/>
+              </a:spcBef>
+            </a:pPr>
+            <a:r>
+              <a:rPr lang="de-DE" sz="1200" dirty="0" smtClean="0"/>
+              <a:t>Dokumentiere </a:t>
+            </a:r>
+            <a:r>
+              <a:rPr lang="de-DE" sz="1200" dirty="0"/>
+              <a:t>vor der Tomate nicht nur das Ziel, sondern auch </a:t>
+            </a:r>
+            <a:r>
+              <a:rPr lang="de-DE" sz="1200" dirty="0" smtClean="0"/>
+              <a:t>jeden kleinen Schritt, den Du brauchst um Dein Ziel zu erreichen. </a:t>
+            </a:r>
           </a:p>
           <a:p>
             <a:pPr>
@@ -2129,8 +2247,12 @@
               </a:spcBef>
             </a:pPr>
             <a:r>
+              <a:rPr lang="de-DE" sz="1200" dirty="0" smtClean="0"/>
+              <a:t>Variante </a:t>
+            </a:r>
+            <a:r>
               <a:rPr lang="de-DE" sz="1200" dirty="0"/>
-              <a:t>Variante 1: </a:t>
+              <a:t>2: </a:t>
             </a:r>
           </a:p>
           <a:p>
@@ -2144,7 +2266,18 @@
             </a:pPr>
             <a:r>
               <a:rPr lang="de-DE" sz="1200" dirty="0"/>
-              <a:t>Mache 15 Tomaten an mindestens acht verschiedenen Tagen innerhalb der zwei Wochen.</a:t>
+              <a:t>Mache innerhalb von 2 Wochen 15 Tomaten an mindestens </a:t>
+            </a:r>
+            <a:br>
+              <a:rPr lang="de-DE" sz="1200" dirty="0"/>
+            </a:br>
+            <a:r>
+              <a:rPr lang="de-DE" sz="1200" dirty="0" smtClean="0"/>
+              <a:t>8 </a:t>
+            </a:r>
+            <a:r>
+              <a:rPr lang="de-DE" sz="1200" dirty="0"/>
+              <a:t>verschiedenen Tagen.</a:t>
             </a:r>
           </a:p>
           <a:p>
@@ -2157,99 +2290,58 @@
               </a:spcBef>
             </a:pPr>
             <a:r>
+              <a:rPr lang="de-DE" sz="1200" dirty="0" err="1" smtClean="0"/>
+              <a:t>Wieviel</a:t>
+            </a:r>
+            <a:r>
+              <a:rPr lang="de-DE" sz="1200" dirty="0" smtClean="0"/>
+              <a:t> </a:t>
+            </a:r>
+            <a:r>
               <a:rPr lang="de-DE" sz="1200" dirty="0"/>
-              <a:t>Du dokumentierst vor der Tomate nicht nur das Ziel, sondern auch die Schritte dorthin: </a:t>
+              <a:t>Prozent von dem, was Du Dir vorgenommen hast, </a:t>
+            </a:r>
+            <a:r>
+              <a:rPr lang="de-DE" sz="1200" dirty="0" smtClean="0"/>
+              <a:t/>
+            </a:r>
+            <a:br>
+              <a:rPr lang="de-DE" sz="1200" dirty="0" smtClean="0"/>
+            </a:br>
+            <a:r>
+              <a:rPr lang="de-DE" sz="1200" dirty="0" smtClean="0"/>
+              <a:t>hast </a:t>
+            </a:r>
+            <a:r>
+              <a:rPr lang="de-DE" sz="1200" dirty="0"/>
+              <a:t>Du erreicht? </a:t>
+            </a:r>
+            <a:r>
+              <a:rPr lang="de-DE" sz="1200" dirty="0" smtClean="0"/>
+              <a:t>Ergänze </a:t>
+            </a:r>
+            <a:r>
+              <a:rPr lang="de-DE" sz="1200" dirty="0"/>
+              <a:t>Deine Tomaten-Dokumentation </a:t>
+            </a:r>
+            <a:r>
+              <a:rPr lang="de-DE" sz="1200" dirty="0" smtClean="0"/>
+              <a:t/>
+            </a:r>
+            <a:br>
+              <a:rPr lang="de-DE" sz="1200" dirty="0" smtClean="0"/>
+            </a:br>
+            <a:r>
+              <a:rPr lang="de-DE" sz="1200" dirty="0" smtClean="0"/>
+              <a:t>um </a:t>
+            </a:r>
+            <a:r>
+              <a:rPr lang="de-DE" sz="1200" dirty="0"/>
+              <a:t>diese Prozentangabe.</a:t>
             </a:r>
             <a:br>
               <a:rPr lang="de-DE" sz="1200" dirty="0"/>
             </a:br>
-            <a:r>
-              <a:rPr lang="de-DE" sz="1200" dirty="0"/>
-              <a:t>Welche kleinen Schritte brauchst Du, um das Tomatenziel zu erreichen? </a:t>
-            </a:r>
-          </a:p>
-          <a:p>
-            <a:pPr>
-              <a:lnSpc>
-                <a:spcPct val="120000"/>
-              </a:lnSpc>
-              <a:spcBef>
-                <a:spcPts val="800"/>
-              </a:spcBef>
-            </a:pPr>
-            <a:r>
-              <a:rPr lang="de-DE" sz="1200" dirty="0"/>
-              <a:t>Variante 2: </a:t>
-            </a:r>
-          </a:p>
-          <a:p>
-            <a:pPr lvl="1">
-              <a:lnSpc>
-                <a:spcPct val="120000"/>
-              </a:lnSpc>
-              <a:spcBef>
-                <a:spcPts val="800"/>
-              </a:spcBef>
-            </a:pPr>
-            <a:r>
-              <a:rPr lang="de-DE" sz="1200" dirty="0"/>
-              <a:t>Mache 15 Tomaten an mindestens acht verschiedenen Tagen innerhalb der zwei Wochen.</a:t>
-            </a:r>
-          </a:p>
-          <a:p>
-            <a:pPr lvl="1">
-              <a:lnSpc>
-                <a:spcPct val="120000"/>
-              </a:lnSpc>
-              <a:spcBef>
-                <a:spcPts val="800"/>
-              </a:spcBef>
-            </a:pPr>
-            <a:r>
-              <a:rPr lang="de-DE" sz="1200" dirty="0" err="1"/>
-              <a:t>Wieviel</a:t>
-            </a:r>
-            <a:r>
-              <a:rPr lang="de-DE" sz="1200" dirty="0"/>
-              <a:t> Prozent von dem, was Du Dir vorgenommen hast, hast Du erreicht? </a:t>
-            </a:r>
-            <a:br>
-              <a:rPr lang="de-DE" sz="1200" dirty="0"/>
-            </a:br>
-            <a:r>
-              <a:rPr lang="de-DE" sz="1200" dirty="0"/>
-              <a:t>Ergänze Deine Tomaten-Dokumentation um diese Prozentangabe.</a:t>
-            </a:r>
-            <a:br>
-              <a:rPr lang="de-DE" sz="1200" dirty="0"/>
-            </a:br>
-            <a:r>
-              <a:rPr lang="de-DE" sz="1200" dirty="0"/>
-              <a:t>Das Ziel ist, möglichst genau einschätzen zu können, was Du in </a:t>
-            </a:r>
-            <a:br>
-              <a:rPr lang="de-DE" sz="1200" dirty="0"/>
-            </a:br>
-            <a:r>
-              <a:rPr lang="de-DE" sz="1200" dirty="0"/>
-              <a:t>einer Tomate schaffst. Auch wenn Du mehr geschafft hast, als vorhergesagt,</a:t>
-            </a:r>
-            <a:br>
-              <a:rPr lang="de-DE" sz="1200" dirty="0"/>
-            </a:br>
-            <a:r>
-              <a:rPr lang="de-DE" sz="1200" dirty="0"/>
-              <a:t>ist das eine Abweichung von Deinen Vorhersagen, genau wie wenn Du</a:t>
-            </a:r>
-            <a:br>
-              <a:rPr lang="de-DE" sz="1200" dirty="0"/>
-            </a:br>
-            <a:r>
-              <a:rPr lang="de-DE" sz="1200" dirty="0"/>
-              <a:t>Dir zu viel vorgenommen hast. </a:t>
-            </a:r>
-          </a:p>
-          <a:p>
             <a:endParaRPr lang="de-DE" dirty="0"/>
           </a:p>
         </p:txBody>
